--- a/data/CreditPP.pptx
+++ b/data/CreditPP.pptx
@@ -271,6 +271,11 @@
       </a:defRPr>
     </a:lvl9pPr>
   </p:defaultTextStyle>
+  <p:extLst>
+    <p:ext uri="{EFAFB233-063F-42B5-8137-9DF3F51BA10A}">
+      <p15:sldGuideLst xmlns:p15="http://schemas.microsoft.com/office/powerpoint/2012/main"/>
+    </p:ext>
+  </p:extLst>
 </p:presentation>
 </file>
 
@@ -6058,7 +6063,11 @@
             </a:pPr>
             <a:r>
               <a:rPr lang="en" dirty="0"/>
-              <a:t>Results for KNN</a:t>
+              <a:t>Results for </a:t>
+            </a:r>
+            <a:r>
+              <a:rPr lang="en-US" altLang="zh-CN" dirty="0" err="1"/>
+              <a:t>XGBoost</a:t>
             </a:r>
             <a:endParaRPr dirty="0"/>
           </a:p>
@@ -6108,10 +6117,10 @@
       </p:sp>
       <p:pic>
         <p:nvPicPr>
-          <p:cNvPr id="3" name="Picture 2" descr="Table&#10;&#10;Description automatically generated">
+          <p:cNvPr id="2" name="Picture 1">
             <a:extLst>
               <a:ext uri="{FF2B5EF4-FFF2-40B4-BE49-F238E27FC236}">
-                <a16:creationId xmlns:a16="http://schemas.microsoft.com/office/drawing/2014/main" id="{22C0A39A-CFF0-C940-B74E-258EB03112AB}"/>
+                <a16:creationId xmlns:a16="http://schemas.microsoft.com/office/drawing/2014/main" id="{937CD508-7264-A142-976C-95597249B81B}"/>
               </a:ext>
             </a:extLst>
           </p:cNvPr>
@@ -6128,8 +6137,8 @@
         </p:blipFill>
         <p:spPr>
           <a:xfrm>
-            <a:off x="691200" y="1419804"/>
-            <a:ext cx="7607300" cy="2971800"/>
+            <a:off x="691199" y="1524387"/>
+            <a:ext cx="6570599" cy="2856782"/>
           </a:xfrm>
           <a:prstGeom prst="rect">
             <a:avLst/>
@@ -6220,8 +6229,8 @@
         </p:nvSpPr>
         <p:spPr>
           <a:xfrm>
-            <a:off x="691200" y="1511100"/>
-            <a:ext cx="7761600" cy="2868900"/>
+            <a:off x="691200" y="1445985"/>
+            <a:ext cx="7761600" cy="3205528"/>
           </a:xfrm>
           <a:prstGeom prst="rect">
             <a:avLst/>
@@ -6249,6 +6258,19 @@
               <a:rPr lang="en-US" sz="1400" dirty="0"/>
               <a:t> The credit card default payment problem has a highly imbalanced dataset. Even the data that is processed with SMOTE technique, some metrics still don’t not show satisfactory results. Because the real probability of default is unknown, we may implement artificial neural network to accurately estimate the real probability of default.</a:t>
             </a:r>
+          </a:p>
+          <a:p>
+            <a:r>
+              <a:rPr lang="en-US" sz="1400" dirty="0" err="1"/>
+              <a:t>XGboost</a:t>
+            </a:r>
+            <a:r>
+              <a:rPr lang="en-US" sz="1400" dirty="0"/>
+              <a:t> serves as the best one in all classification models, but it also becomes expensive when we set up more hyperparameters in grid search.</a:t>
+            </a:r>
+          </a:p>
+          <a:p>
+            <a:endParaRPr lang="en-US" sz="1400" dirty="0"/>
           </a:p>
           <a:p>
             <a:endParaRPr lang="en-US" sz="1400" dirty="0"/>

--- a/data/CreditPP.pptx
+++ b/data/CreditPP.pptx
@@ -6244,19 +6244,39 @@
           <a:p>
             <a:r>
               <a:rPr lang="en-US" sz="1400" dirty="0"/>
-              <a:t>The feature SEX and EDUCATION have different probability of default payment, according to both the statistical test and model evaluation, which means male/female and different education levels have effects.</a:t>
+              <a:t>The feature SEX and EDUCATION have different probability of default payment, according to both the statistical test and model evaluation, which means male/female and different education levels have</a:t>
             </a:r>
-          </a:p>
-          <a:p>
+            <a:r>
+              <a:rPr lang="zh-CN" altLang="en-US" sz="1400" dirty="0"/>
+              <a:t> </a:t>
+            </a:r>
+            <a:r>
+              <a:rPr lang="en-US" altLang="zh-CN" sz="1400" dirty="0"/>
+              <a:t>significant</a:t>
+            </a:r>
             <a:r>
               <a:rPr lang="en-US" sz="1400" dirty="0"/>
-              <a:t>Both continuous variable and categorical variables play important roles in the modeling. Different models mark different strong predictors.</a:t>
+              <a:t> effects.</a:t>
             </a:r>
           </a:p>
           <a:p>
             <a:r>
               <a:rPr lang="en-US" sz="1400" dirty="0"/>
-              <a:t> The credit card default payment problem has a highly imbalanced dataset. Even the data that is processed with SMOTE technique, some metrics still don’t not show satisfactory results. Because the real probability of default is unknown, we may implement artificial neural network to accurately estimate the real probability of default.</a:t>
+              <a:t>Both continuous variable</a:t>
+            </a:r>
+            <a:r>
+              <a:rPr lang="en-US" altLang="zh-CN" sz="1400" dirty="0"/>
+              <a:t>s</a:t>
+            </a:r>
+            <a:r>
+              <a:rPr lang="en-US" sz="1400" dirty="0"/>
+              <a:t> and categorical variables play important roles in the modeling. Different models mark different strong predictors.</a:t>
+            </a:r>
+          </a:p>
+          <a:p>
+            <a:r>
+              <a:rPr lang="en-US" sz="1400" dirty="0"/>
+              <a:t> The credit card default payment problem has a highly imbalanced dataset. Even the data is processed with SMOTE technique, some metrics still don’t show satisfactory results. Because the real probability of default is unknown, we may implement artificial neural network to accurately estimate the real probability of default.</a:t>
             </a:r>
           </a:p>
           <a:p>
@@ -7098,8 +7118,8 @@
         </p:blipFill>
         <p:spPr>
           <a:xfrm>
-            <a:off x="4416949" y="1255445"/>
-            <a:ext cx="4672227" cy="3368604"/>
+            <a:off x="4120377" y="1041621"/>
+            <a:ext cx="4968799" cy="3582428"/>
           </a:xfrm>
           <a:prstGeom prst="rect">
             <a:avLst/>
@@ -7719,8 +7739,8 @@
         </p:nvSpPr>
         <p:spPr>
           <a:xfrm>
-            <a:off x="54824" y="1447490"/>
-            <a:ext cx="4362125" cy="1124260"/>
+            <a:off x="138240" y="1375927"/>
+            <a:ext cx="4437807" cy="3767573"/>
           </a:xfrm>
           <a:prstGeom prst="rect">
             <a:avLst/>
@@ -7731,6 +7751,44 @@
             <a:noAutofit/>
           </a:bodyPr>
           <a:lstStyle/>
+          <a:p>
+            <a:pPr lvl="0"/>
+            <a:r>
+              <a:rPr lang="en-US" altLang="zh-CN" dirty="0"/>
+              <a:t>c</a:t>
+            </a:r>
+            <a:r>
+              <a:rPr lang="en-US" dirty="0"/>
+              <a:t>redit </a:t>
+            </a:r>
+            <a:r>
+              <a:rPr lang="en-US" altLang="zh-CN" dirty="0"/>
+              <a:t>u</a:t>
+            </a:r>
+            <a:r>
+              <a:rPr lang="en-US" dirty="0"/>
+              <a:t>tilization </a:t>
+            </a:r>
+            <a:r>
+              <a:rPr lang="en-US" altLang="zh-CN" dirty="0"/>
+              <a:t>r</a:t>
+            </a:r>
+            <a:r>
+              <a:rPr lang="en-US" dirty="0"/>
+              <a:t>ate</a:t>
+            </a:r>
+          </a:p>
+          <a:p>
+            <a:pPr lvl="0"/>
+            <a:r>
+              <a:rPr lang="en-US" dirty="0"/>
+              <a:t>credit utility</a:t>
+            </a:r>
+          </a:p>
+          <a:p>
+            <a:pPr lvl="0"/>
+            <a:endParaRPr lang="en-US" dirty="0"/>
+          </a:p>
           <a:p>
             <a:pPr marL="457200" lvl="0" indent="-381000" algn="l" rtl="0">
               <a:spcBef>
@@ -7825,8 +7883,8 @@
         </p:blipFill>
         <p:spPr>
           <a:xfrm>
-            <a:off x="4576048" y="1447490"/>
-            <a:ext cx="4255077" cy="2571750"/>
+            <a:off x="4016688" y="1447489"/>
+            <a:ext cx="4814437" cy="2909825"/>
           </a:xfrm>
           <a:prstGeom prst="rect">
             <a:avLst/>
